--- a/Project#3_Presentation.pptx
+++ b/Project#3_Presentation.pptx
@@ -7,14 +7,16 @@
   <p:sldIdLst>
     <p:sldId id="256" r:id="rId2"/>
     <p:sldId id="265" r:id="rId3"/>
-    <p:sldId id="269" r:id="rId4"/>
-    <p:sldId id="257" r:id="rId5"/>
-    <p:sldId id="261" r:id="rId6"/>
-    <p:sldId id="262" r:id="rId7"/>
-    <p:sldId id="263" r:id="rId8"/>
-    <p:sldId id="268" r:id="rId9"/>
-    <p:sldId id="267" r:id="rId10"/>
-    <p:sldId id="264" r:id="rId11"/>
+    <p:sldId id="270" r:id="rId4"/>
+    <p:sldId id="271" r:id="rId5"/>
+    <p:sldId id="269" r:id="rId6"/>
+    <p:sldId id="257" r:id="rId7"/>
+    <p:sldId id="261" r:id="rId8"/>
+    <p:sldId id="262" r:id="rId9"/>
+    <p:sldId id="263" r:id="rId10"/>
+    <p:sldId id="268" r:id="rId11"/>
+    <p:sldId id="267" r:id="rId12"/>
+    <p:sldId id="264" r:id="rId13"/>
   </p:sldIdLst>
   <p:sldSz cx="12192000" cy="6858000"/>
   <p:notesSz cx="6858000" cy="9144000"/>
@@ -268,7 +270,7 @@
           <a:p>
             <a:fld id="{ED58CE4C-FFBC-4711-9784-6C0D3DCA98D9}" type="datetimeFigureOut">
               <a:rPr lang="en-US" smtClean="0"/>
-              <a:t>1/25/2021</a:t>
+              <a:t>1/25/21</a:t>
             </a:fld>
             <a:endParaRPr lang="en-US"/>
           </a:p>
@@ -466,7 +468,7 @@
           <a:p>
             <a:fld id="{ED58CE4C-FFBC-4711-9784-6C0D3DCA98D9}" type="datetimeFigureOut">
               <a:rPr lang="en-US" smtClean="0"/>
-              <a:t>1/25/2021</a:t>
+              <a:t>1/25/21</a:t>
             </a:fld>
             <a:endParaRPr lang="en-US"/>
           </a:p>
@@ -674,7 +676,7 @@
           <a:p>
             <a:fld id="{ED58CE4C-FFBC-4711-9784-6C0D3DCA98D9}" type="datetimeFigureOut">
               <a:rPr lang="en-US" smtClean="0"/>
-              <a:t>1/25/2021</a:t>
+              <a:t>1/25/21</a:t>
             </a:fld>
             <a:endParaRPr lang="en-US"/>
           </a:p>
@@ -872,7 +874,7 @@
           <a:p>
             <a:fld id="{ED58CE4C-FFBC-4711-9784-6C0D3DCA98D9}" type="datetimeFigureOut">
               <a:rPr lang="en-US" smtClean="0"/>
-              <a:t>1/25/2021</a:t>
+              <a:t>1/25/21</a:t>
             </a:fld>
             <a:endParaRPr lang="en-US"/>
           </a:p>
@@ -1147,7 +1149,7 @@
           <a:p>
             <a:fld id="{ED58CE4C-FFBC-4711-9784-6C0D3DCA98D9}" type="datetimeFigureOut">
               <a:rPr lang="en-US" smtClean="0"/>
-              <a:t>1/25/2021</a:t>
+              <a:t>1/25/21</a:t>
             </a:fld>
             <a:endParaRPr lang="en-US"/>
           </a:p>
@@ -1412,7 +1414,7 @@
           <a:p>
             <a:fld id="{ED58CE4C-FFBC-4711-9784-6C0D3DCA98D9}" type="datetimeFigureOut">
               <a:rPr lang="en-US" smtClean="0"/>
-              <a:t>1/25/2021</a:t>
+              <a:t>1/25/21</a:t>
             </a:fld>
             <a:endParaRPr lang="en-US"/>
           </a:p>
@@ -1824,7 +1826,7 @@
           <a:p>
             <a:fld id="{ED58CE4C-FFBC-4711-9784-6C0D3DCA98D9}" type="datetimeFigureOut">
               <a:rPr lang="en-US" smtClean="0"/>
-              <a:t>1/25/2021</a:t>
+              <a:t>1/25/21</a:t>
             </a:fld>
             <a:endParaRPr lang="en-US"/>
           </a:p>
@@ -1965,7 +1967,7 @@
           <a:p>
             <a:fld id="{ED58CE4C-FFBC-4711-9784-6C0D3DCA98D9}" type="datetimeFigureOut">
               <a:rPr lang="en-US" smtClean="0"/>
-              <a:t>1/25/2021</a:t>
+              <a:t>1/25/21</a:t>
             </a:fld>
             <a:endParaRPr lang="en-US"/>
           </a:p>
@@ -2078,7 +2080,7 @@
           <a:p>
             <a:fld id="{ED58CE4C-FFBC-4711-9784-6C0D3DCA98D9}" type="datetimeFigureOut">
               <a:rPr lang="en-US" smtClean="0"/>
-              <a:t>1/25/2021</a:t>
+              <a:t>1/25/21</a:t>
             </a:fld>
             <a:endParaRPr lang="en-US"/>
           </a:p>
@@ -2389,7 +2391,7 @@
           <a:p>
             <a:fld id="{ED58CE4C-FFBC-4711-9784-6C0D3DCA98D9}" type="datetimeFigureOut">
               <a:rPr lang="en-US" smtClean="0"/>
-              <a:t>1/25/2021</a:t>
+              <a:t>1/25/21</a:t>
             </a:fld>
             <a:endParaRPr lang="en-US"/>
           </a:p>
@@ -2677,7 +2679,7 @@
           <a:p>
             <a:fld id="{ED58CE4C-FFBC-4711-9784-6C0D3DCA98D9}" type="datetimeFigureOut">
               <a:rPr lang="en-US" smtClean="0"/>
-              <a:t>1/25/2021</a:t>
+              <a:t>1/25/21</a:t>
             </a:fld>
             <a:endParaRPr lang="en-US"/>
           </a:p>
@@ -2918,7 +2920,7 @@
           <a:p>
             <a:fld id="{ED58CE4C-FFBC-4711-9784-6C0D3DCA98D9}" type="datetimeFigureOut">
               <a:rPr lang="en-US" smtClean="0"/>
-              <a:t>1/25/2021</a:t>
+              <a:t>1/25/21</a:t>
             </a:fld>
             <a:endParaRPr lang="en-US"/>
           </a:p>
@@ -3559,6 +3561,558 @@
           <a:p>
             <a:r>
               <a:rPr lang="en-US" b="1" dirty="0"/>
+              <a:t>Let’s Check Out The Website</a:t>
+            </a:r>
+          </a:p>
+        </p:txBody>
+      </p:sp>
+    </p:spTree>
+    <p:extLst>
+      <p:ext uri="{BB962C8B-B14F-4D97-AF65-F5344CB8AC3E}">
+        <p14:creationId xmlns:p14="http://schemas.microsoft.com/office/powerpoint/2010/main" val="1360513113"/>
+      </p:ext>
+    </p:extLst>
+  </p:cSld>
+  <p:clrMapOvr>
+    <a:masterClrMapping/>
+  </p:clrMapOvr>
+</p:sld>
+</file>
+
+<file path=ppt/slides/slide11.xml><?xml version="1.0" encoding="utf-8"?>
+<p:sld xmlns:a="http://schemas.openxmlformats.org/drawingml/2006/main" xmlns:r="http://schemas.openxmlformats.org/officeDocument/2006/relationships" xmlns:p="http://schemas.openxmlformats.org/presentationml/2006/main">
+  <p:cSld>
+    <p:spTree>
+      <p:nvGrpSpPr>
+        <p:cNvPr id="1" name=""/>
+        <p:cNvGrpSpPr/>
+        <p:nvPr/>
+      </p:nvGrpSpPr>
+      <p:grpSpPr>
+        <a:xfrm>
+          <a:off x="0" y="0"/>
+          <a:ext cx="0" cy="0"/>
+          <a:chOff x="0" y="0"/>
+          <a:chExt cx="0" cy="0"/>
+        </a:xfrm>
+      </p:grpSpPr>
+      <p:sp>
+        <p:nvSpPr>
+          <p:cNvPr id="2" name="Title 1">
+            <a:extLst>
+              <a:ext uri="{FF2B5EF4-FFF2-40B4-BE49-F238E27FC236}">
+                <a16:creationId xmlns:a16="http://schemas.microsoft.com/office/drawing/2014/main" id="{C6EB4EC3-D3D7-476B-B262-88DC251FB502}"/>
+              </a:ext>
+            </a:extLst>
+          </p:cNvPr>
+          <p:cNvSpPr>
+            <a:spLocks noGrp="1"/>
+          </p:cNvSpPr>
+          <p:nvPr>
+            <p:ph type="title"/>
+          </p:nvPr>
+        </p:nvSpPr>
+        <p:spPr/>
+        <p:txBody>
+          <a:bodyPr/>
+          <a:lstStyle/>
+          <a:p>
+            <a:r>
+              <a:rPr lang="en-US" dirty="0"/>
+              <a:t>\</a:t>
+            </a:r>
+          </a:p>
+        </p:txBody>
+      </p:sp>
+      <p:sp>
+        <p:nvSpPr>
+          <p:cNvPr id="3" name="Content Placeholder 2">
+            <a:extLst>
+              <a:ext uri="{FF2B5EF4-FFF2-40B4-BE49-F238E27FC236}">
+                <a16:creationId xmlns:a16="http://schemas.microsoft.com/office/drawing/2014/main" id="{63B539ED-4ECF-422C-A35D-CBD02DF6FC7D}"/>
+              </a:ext>
+            </a:extLst>
+          </p:cNvPr>
+          <p:cNvSpPr>
+            <a:spLocks noGrp="1"/>
+          </p:cNvSpPr>
+          <p:nvPr>
+            <p:ph idx="1"/>
+          </p:nvPr>
+        </p:nvSpPr>
+        <p:spPr>
+          <a:xfrm>
+            <a:off x="635563" y="2319130"/>
+            <a:ext cx="5897759" cy="4597812"/>
+          </a:xfrm>
+        </p:spPr>
+        <p:txBody>
+          <a:bodyPr>
+            <a:normAutofit/>
+          </a:bodyPr>
+          <a:lstStyle/>
+          <a:p>
+            <a:pPr lvl="1"/>
+            <a:r>
+              <a:rPr lang="en-US" dirty="0">
+                <a:latin typeface="Slack-Lato"/>
+              </a:rPr>
+              <a:t>Attempted to build a CNN to analyze Where’s Waldo images</a:t>
+            </a:r>
+          </a:p>
+          <a:p>
+            <a:pPr lvl="1"/>
+            <a:r>
+              <a:rPr lang="en-US" dirty="0">
+                <a:latin typeface="Slack-Lato"/>
+              </a:rPr>
+              <a:t>Attempted to build a CNN </a:t>
+            </a:r>
+            <a:r>
+              <a:rPr lang="en-US" b="0" i="0" u="none" strike="noStrike" dirty="0">
+                <a:effectLst/>
+                <a:latin typeface="Slack-Lato"/>
+              </a:rPr>
+              <a:t>to analyze mushrooms</a:t>
+            </a:r>
+          </a:p>
+          <a:p>
+            <a:pPr lvl="1"/>
+            <a:r>
+              <a:rPr lang="en-US" dirty="0"/>
+              <a:t>We were able to use H5 rather than Pickle to load our model because we were using TensorFlow (i.e., images)</a:t>
+            </a:r>
+          </a:p>
+          <a:p>
+            <a:pPr lvl="1"/>
+            <a:r>
+              <a:rPr lang="en-US" dirty="0"/>
+              <a:t>Attempted to deploy to Heroku, but the model alone was too large</a:t>
+            </a:r>
+          </a:p>
+          <a:p>
+            <a:pPr lvl="1"/>
+            <a:r>
+              <a:rPr lang="en-US" b="0" i="0" u="none" strike="noStrike" dirty="0">
+                <a:effectLst/>
+                <a:latin typeface="Slack-Lato"/>
+                <a:hlinkClick r:id="rId2"/>
+              </a:rPr>
+              <a:t>https://pokedeaux2.herokuapp.com/</a:t>
+            </a:r>
+            <a:endParaRPr lang="en-US" b="0" i="0" u="none" strike="noStrike" dirty="0">
+              <a:effectLst/>
+              <a:latin typeface="Slack-Lato"/>
+            </a:endParaRPr>
+          </a:p>
+          <a:p>
+            <a:pPr lvl="1"/>
+            <a:endParaRPr lang="en-US" b="0" i="0" u="none" strike="noStrike" dirty="0">
+              <a:effectLst/>
+              <a:latin typeface="Slack-Lato"/>
+            </a:endParaRPr>
+          </a:p>
+          <a:p>
+            <a:pPr lvl="1"/>
+            <a:endParaRPr lang="en-US" dirty="0"/>
+          </a:p>
+        </p:txBody>
+      </p:sp>
+      <p:pic>
+        <p:nvPicPr>
+          <p:cNvPr id="5" name="Picture 4">
+            <a:extLst>
+              <a:ext uri="{FF2B5EF4-FFF2-40B4-BE49-F238E27FC236}">
+                <a16:creationId xmlns:a16="http://schemas.microsoft.com/office/drawing/2014/main" id="{BC43DE3B-0FFA-44C5-B49B-3F63C2FDA9D6}"/>
+              </a:ext>
+            </a:extLst>
+          </p:cNvPr>
+          <p:cNvPicPr>
+            <a:picLocks noChangeAspect="1"/>
+          </p:cNvPicPr>
+          <p:nvPr/>
+        </p:nvPicPr>
+        <p:blipFill>
+          <a:blip r:embed="rId3"/>
+          <a:stretch>
+            <a:fillRect/>
+          </a:stretch>
+        </p:blipFill>
+        <p:spPr>
+          <a:xfrm>
+            <a:off x="0" y="-1020416"/>
+            <a:ext cx="12207145" cy="2756452"/>
+          </a:xfrm>
+          <a:prstGeom prst="rect">
+            <a:avLst/>
+          </a:prstGeom>
+        </p:spPr>
+      </p:pic>
+      <p:sp>
+        <p:nvSpPr>
+          <p:cNvPr id="8" name="Subtitle 2">
+            <a:extLst>
+              <a:ext uri="{FF2B5EF4-FFF2-40B4-BE49-F238E27FC236}">
+                <a16:creationId xmlns:a16="http://schemas.microsoft.com/office/drawing/2014/main" id="{2AC41F54-8F88-483F-AE33-9CF8833B762B}"/>
+              </a:ext>
+            </a:extLst>
+          </p:cNvPr>
+          <p:cNvSpPr txBox="1">
+            <a:spLocks/>
+          </p:cNvSpPr>
+          <p:nvPr/>
+        </p:nvSpPr>
+        <p:spPr>
+          <a:xfrm>
+            <a:off x="355881" y="1876216"/>
+            <a:ext cx="10707756" cy="1480921"/>
+          </a:xfrm>
+          <a:prstGeom prst="rect">
+            <a:avLst/>
+          </a:prstGeom>
+        </p:spPr>
+        <p:txBody>
+          <a:bodyPr vert="horz" lIns="91440" tIns="45720" rIns="91440" bIns="45720" rtlCol="0">
+            <a:normAutofit/>
+          </a:bodyPr>
+          <a:lstStyle>
+            <a:lvl1pPr marL="228600" indent="-228600" algn="l" defTabSz="914400" rtl="0" eaLnBrk="1" latinLnBrk="0" hangingPunct="1">
+              <a:lnSpc>
+                <a:spcPct val="90000"/>
+              </a:lnSpc>
+              <a:spcBef>
+                <a:spcPts val="1000"/>
+              </a:spcBef>
+              <a:buFont typeface="Arial" panose="020B0604020202020204" pitchFamily="34" charset="0"/>
+              <a:buChar char="•"/>
+              <a:defRPr sz="2800" kern="1200">
+                <a:solidFill>
+                  <a:schemeClr val="tx1"/>
+                </a:solidFill>
+                <a:latin typeface="+mn-lt"/>
+                <a:ea typeface="+mn-ea"/>
+                <a:cs typeface="+mn-cs"/>
+              </a:defRPr>
+            </a:lvl1pPr>
+            <a:lvl2pPr marL="685800" indent="-228600" algn="l" defTabSz="914400" rtl="0" eaLnBrk="1" latinLnBrk="0" hangingPunct="1">
+              <a:lnSpc>
+                <a:spcPct val="90000"/>
+              </a:lnSpc>
+              <a:spcBef>
+                <a:spcPts val="500"/>
+              </a:spcBef>
+              <a:buFont typeface="Arial" panose="020B0604020202020204" pitchFamily="34" charset="0"/>
+              <a:buChar char="•"/>
+              <a:defRPr sz="2400" kern="1200">
+                <a:solidFill>
+                  <a:schemeClr val="tx1"/>
+                </a:solidFill>
+                <a:latin typeface="+mn-lt"/>
+                <a:ea typeface="+mn-ea"/>
+                <a:cs typeface="+mn-cs"/>
+              </a:defRPr>
+            </a:lvl2pPr>
+            <a:lvl3pPr marL="1143000" indent="-228600" algn="l" defTabSz="914400" rtl="0" eaLnBrk="1" latinLnBrk="0" hangingPunct="1">
+              <a:lnSpc>
+                <a:spcPct val="90000"/>
+              </a:lnSpc>
+              <a:spcBef>
+                <a:spcPts val="500"/>
+              </a:spcBef>
+              <a:buFont typeface="Arial" panose="020B0604020202020204" pitchFamily="34" charset="0"/>
+              <a:buChar char="•"/>
+              <a:defRPr sz="2000" kern="1200">
+                <a:solidFill>
+                  <a:schemeClr val="tx1"/>
+                </a:solidFill>
+                <a:latin typeface="+mn-lt"/>
+                <a:ea typeface="+mn-ea"/>
+                <a:cs typeface="+mn-cs"/>
+              </a:defRPr>
+            </a:lvl3pPr>
+            <a:lvl4pPr marL="1600200" indent="-228600" algn="l" defTabSz="914400" rtl="0" eaLnBrk="1" latinLnBrk="0" hangingPunct="1">
+              <a:lnSpc>
+                <a:spcPct val="90000"/>
+              </a:lnSpc>
+              <a:spcBef>
+                <a:spcPts val="500"/>
+              </a:spcBef>
+              <a:buFont typeface="Arial" panose="020B0604020202020204" pitchFamily="34" charset="0"/>
+              <a:buChar char="•"/>
+              <a:defRPr sz="1800" kern="1200">
+                <a:solidFill>
+                  <a:schemeClr val="tx1"/>
+                </a:solidFill>
+                <a:latin typeface="+mn-lt"/>
+                <a:ea typeface="+mn-ea"/>
+                <a:cs typeface="+mn-cs"/>
+              </a:defRPr>
+            </a:lvl4pPr>
+            <a:lvl5pPr marL="2057400" indent="-228600" algn="l" defTabSz="914400" rtl="0" eaLnBrk="1" latinLnBrk="0" hangingPunct="1">
+              <a:lnSpc>
+                <a:spcPct val="90000"/>
+              </a:lnSpc>
+              <a:spcBef>
+                <a:spcPts val="500"/>
+              </a:spcBef>
+              <a:buFont typeface="Arial" panose="020B0604020202020204" pitchFamily="34" charset="0"/>
+              <a:buChar char="•"/>
+              <a:defRPr sz="1800" kern="1200">
+                <a:solidFill>
+                  <a:schemeClr val="tx1"/>
+                </a:solidFill>
+                <a:latin typeface="+mn-lt"/>
+                <a:ea typeface="+mn-ea"/>
+                <a:cs typeface="+mn-cs"/>
+              </a:defRPr>
+            </a:lvl5pPr>
+            <a:lvl6pPr marL="2514600" indent="-228600" algn="l" defTabSz="914400" rtl="0" eaLnBrk="1" latinLnBrk="0" hangingPunct="1">
+              <a:lnSpc>
+                <a:spcPct val="90000"/>
+              </a:lnSpc>
+              <a:spcBef>
+                <a:spcPts val="500"/>
+              </a:spcBef>
+              <a:buFont typeface="Arial" panose="020B0604020202020204" pitchFamily="34" charset="0"/>
+              <a:buChar char="•"/>
+              <a:defRPr sz="1800" kern="1200">
+                <a:solidFill>
+                  <a:schemeClr val="tx1"/>
+                </a:solidFill>
+                <a:latin typeface="+mn-lt"/>
+                <a:ea typeface="+mn-ea"/>
+                <a:cs typeface="+mn-cs"/>
+              </a:defRPr>
+            </a:lvl6pPr>
+            <a:lvl7pPr marL="2971800" indent="-228600" algn="l" defTabSz="914400" rtl="0" eaLnBrk="1" latinLnBrk="0" hangingPunct="1">
+              <a:lnSpc>
+                <a:spcPct val="90000"/>
+              </a:lnSpc>
+              <a:spcBef>
+                <a:spcPts val="500"/>
+              </a:spcBef>
+              <a:buFont typeface="Arial" panose="020B0604020202020204" pitchFamily="34" charset="0"/>
+              <a:buChar char="•"/>
+              <a:defRPr sz="1800" kern="1200">
+                <a:solidFill>
+                  <a:schemeClr val="tx1"/>
+                </a:solidFill>
+                <a:latin typeface="+mn-lt"/>
+                <a:ea typeface="+mn-ea"/>
+                <a:cs typeface="+mn-cs"/>
+              </a:defRPr>
+            </a:lvl7pPr>
+            <a:lvl8pPr marL="3429000" indent="-228600" algn="l" defTabSz="914400" rtl="0" eaLnBrk="1" latinLnBrk="0" hangingPunct="1">
+              <a:lnSpc>
+                <a:spcPct val="90000"/>
+              </a:lnSpc>
+              <a:spcBef>
+                <a:spcPts val="500"/>
+              </a:spcBef>
+              <a:buFont typeface="Arial" panose="020B0604020202020204" pitchFamily="34" charset="0"/>
+              <a:buChar char="•"/>
+              <a:defRPr sz="1800" kern="1200">
+                <a:solidFill>
+                  <a:schemeClr val="tx1"/>
+                </a:solidFill>
+                <a:latin typeface="+mn-lt"/>
+                <a:ea typeface="+mn-ea"/>
+                <a:cs typeface="+mn-cs"/>
+              </a:defRPr>
+            </a:lvl8pPr>
+            <a:lvl9pPr marL="3886200" indent="-228600" algn="l" defTabSz="914400" rtl="0" eaLnBrk="1" latinLnBrk="0" hangingPunct="1">
+              <a:lnSpc>
+                <a:spcPct val="90000"/>
+              </a:lnSpc>
+              <a:spcBef>
+                <a:spcPts val="500"/>
+              </a:spcBef>
+              <a:buFont typeface="Arial" panose="020B0604020202020204" pitchFamily="34" charset="0"/>
+              <a:buChar char="•"/>
+              <a:defRPr sz="1800" kern="1200">
+                <a:solidFill>
+                  <a:schemeClr val="tx1"/>
+                </a:solidFill>
+                <a:latin typeface="+mn-lt"/>
+                <a:ea typeface="+mn-ea"/>
+                <a:cs typeface="+mn-cs"/>
+              </a:defRPr>
+            </a:lvl9pPr>
+          </a:lstStyle>
+          <a:p>
+            <a:r>
+              <a:rPr lang="en-US" dirty="0"/>
+              <a:t>Lessons Learned</a:t>
+            </a:r>
+          </a:p>
+        </p:txBody>
+      </p:sp>
+      <p:pic>
+        <p:nvPicPr>
+          <p:cNvPr id="6" name="Picture 5">
+            <a:extLst>
+              <a:ext uri="{FF2B5EF4-FFF2-40B4-BE49-F238E27FC236}">
+                <a16:creationId xmlns:a16="http://schemas.microsoft.com/office/drawing/2014/main" id="{74EE797B-4928-4228-B2BF-427FF9BA7654}"/>
+              </a:ext>
+            </a:extLst>
+          </p:cNvPr>
+          <p:cNvPicPr>
+            <a:picLocks noChangeAspect="1"/>
+          </p:cNvPicPr>
+          <p:nvPr/>
+        </p:nvPicPr>
+        <p:blipFill>
+          <a:blip r:embed="rId4">
+            <a:extLst>
+              <a:ext uri="{28A0092B-C50C-407E-A947-70E740481C1C}">
+                <a14:useLocalDpi xmlns:a14="http://schemas.microsoft.com/office/drawing/2010/main" val="0"/>
+              </a:ext>
+            </a:extLst>
+          </a:blip>
+          <a:stretch>
+            <a:fillRect/>
+          </a:stretch>
+        </p:blipFill>
+        <p:spPr>
+          <a:xfrm>
+            <a:off x="8070574" y="5093296"/>
+            <a:ext cx="3867564" cy="1748139"/>
+          </a:xfrm>
+          <a:prstGeom prst="rect">
+            <a:avLst/>
+          </a:prstGeom>
+        </p:spPr>
+      </p:pic>
+      <p:pic>
+        <p:nvPicPr>
+          <p:cNvPr id="12" name="Picture 11">
+            <a:extLst>
+              <a:ext uri="{FF2B5EF4-FFF2-40B4-BE49-F238E27FC236}">
+                <a16:creationId xmlns:a16="http://schemas.microsoft.com/office/drawing/2014/main" id="{FFCA131D-8D56-4213-B325-CC1ECA586110}"/>
+              </a:ext>
+            </a:extLst>
+          </p:cNvPr>
+          <p:cNvPicPr>
+            <a:picLocks noChangeAspect="1"/>
+          </p:cNvPicPr>
+          <p:nvPr/>
+        </p:nvPicPr>
+        <p:blipFill>
+          <a:blip r:embed="rId5">
+            <a:extLst>
+              <a:ext uri="{28A0092B-C50C-407E-A947-70E740481C1C}">
+                <a14:useLocalDpi xmlns:a14="http://schemas.microsoft.com/office/drawing/2010/main" val="0"/>
+              </a:ext>
+            </a:extLst>
+          </a:blip>
+          <a:stretch>
+            <a:fillRect/>
+          </a:stretch>
+        </p:blipFill>
+        <p:spPr>
+          <a:xfrm>
+            <a:off x="6906242" y="2319130"/>
+            <a:ext cx="4929877" cy="1260551"/>
+          </a:xfrm>
+          <a:prstGeom prst="rect">
+            <a:avLst/>
+          </a:prstGeom>
+        </p:spPr>
+      </p:pic>
+    </p:spTree>
+    <p:extLst>
+      <p:ext uri="{BB962C8B-B14F-4D97-AF65-F5344CB8AC3E}">
+        <p14:creationId xmlns:p14="http://schemas.microsoft.com/office/powerpoint/2010/main" val="2832296458"/>
+      </p:ext>
+    </p:extLst>
+  </p:cSld>
+  <p:clrMapOvr>
+    <a:masterClrMapping/>
+  </p:clrMapOvr>
+</p:sld>
+</file>
+
+<file path=ppt/slides/slide12.xml><?xml version="1.0" encoding="utf-8"?>
+<p:sld xmlns:a="http://schemas.openxmlformats.org/drawingml/2006/main" xmlns:r="http://schemas.openxmlformats.org/officeDocument/2006/relationships" xmlns:p="http://schemas.openxmlformats.org/presentationml/2006/main">
+  <p:cSld>
+    <p:spTree>
+      <p:nvGrpSpPr>
+        <p:cNvPr id="1" name=""/>
+        <p:cNvGrpSpPr/>
+        <p:nvPr/>
+      </p:nvGrpSpPr>
+      <p:grpSpPr>
+        <a:xfrm>
+          <a:off x="0" y="0"/>
+          <a:ext cx="0" cy="0"/>
+          <a:chOff x="0" y="0"/>
+          <a:chExt cx="0" cy="0"/>
+        </a:xfrm>
+      </p:grpSpPr>
+      <p:pic>
+        <p:nvPicPr>
+          <p:cNvPr id="5" name="Picture 4">
+            <a:extLst>
+              <a:ext uri="{FF2B5EF4-FFF2-40B4-BE49-F238E27FC236}">
+                <a16:creationId xmlns:a16="http://schemas.microsoft.com/office/drawing/2014/main" id="{3F4B0BDF-5D88-4E6B-87EA-87C409320C25}"/>
+              </a:ext>
+            </a:extLst>
+          </p:cNvPr>
+          <p:cNvPicPr>
+            <a:picLocks noChangeAspect="1"/>
+          </p:cNvPicPr>
+          <p:nvPr/>
+        </p:nvPicPr>
+        <p:blipFill>
+          <a:blip r:embed="rId2">
+            <a:extLst>
+              <a:ext uri="{28A0092B-C50C-407E-A947-70E740481C1C}">
+                <a14:useLocalDpi xmlns:a14="http://schemas.microsoft.com/office/drawing/2010/main" val="0"/>
+              </a:ext>
+            </a:extLst>
+          </a:blip>
+          <a:stretch>
+            <a:fillRect/>
+          </a:stretch>
+        </p:blipFill>
+        <p:spPr>
+          <a:xfrm>
+            <a:off x="-723562" y="0"/>
+            <a:ext cx="13480098" cy="6858000"/>
+          </a:xfrm>
+          <a:prstGeom prst="rect">
+            <a:avLst/>
+          </a:prstGeom>
+        </p:spPr>
+      </p:pic>
+      <p:sp>
+        <p:nvSpPr>
+          <p:cNvPr id="2" name="Title 1">
+            <a:extLst>
+              <a:ext uri="{FF2B5EF4-FFF2-40B4-BE49-F238E27FC236}">
+                <a16:creationId xmlns:a16="http://schemas.microsoft.com/office/drawing/2014/main" id="{E5CA4F3B-45E4-49C2-ACFB-9D95CC7E0037}"/>
+              </a:ext>
+            </a:extLst>
+          </p:cNvPr>
+          <p:cNvSpPr>
+            <a:spLocks noGrp="1"/>
+          </p:cNvSpPr>
+          <p:nvPr>
+            <p:ph type="ctrTitle"/>
+          </p:nvPr>
+        </p:nvSpPr>
+        <p:spPr>
+          <a:xfrm>
+            <a:off x="1524000" y="3047994"/>
+            <a:ext cx="9144000" cy="3509963"/>
+          </a:xfrm>
+        </p:spPr>
+        <p:txBody>
+          <a:bodyPr/>
+          <a:lstStyle/>
+          <a:p>
+            <a:r>
+              <a:rPr lang="en-US" b="1" dirty="0"/>
               <a:t>Questions?</a:t>
             </a:r>
           </a:p>
@@ -4137,6 +4691,499 @@
           <a:p>
             <a:r>
               <a:rPr lang="en-US" b="1" dirty="0"/>
+              <a:t>Data Sources</a:t>
+            </a:r>
+          </a:p>
+        </p:txBody>
+      </p:sp>
+    </p:spTree>
+    <p:extLst>
+      <p:ext uri="{BB962C8B-B14F-4D97-AF65-F5344CB8AC3E}">
+        <p14:creationId xmlns:p14="http://schemas.microsoft.com/office/powerpoint/2010/main" val="1447507508"/>
+      </p:ext>
+    </p:extLst>
+  </p:cSld>
+  <p:clrMapOvr>
+    <a:masterClrMapping/>
+  </p:clrMapOvr>
+</p:sld>
+</file>
+
+<file path=ppt/slides/slide4.xml><?xml version="1.0" encoding="utf-8"?>
+<p:sld xmlns:a="http://schemas.openxmlformats.org/drawingml/2006/main" xmlns:r="http://schemas.openxmlformats.org/officeDocument/2006/relationships" xmlns:p="http://schemas.openxmlformats.org/presentationml/2006/main">
+  <p:cSld>
+    <p:spTree>
+      <p:nvGrpSpPr>
+        <p:cNvPr id="1" name=""/>
+        <p:cNvGrpSpPr/>
+        <p:nvPr/>
+      </p:nvGrpSpPr>
+      <p:grpSpPr>
+        <a:xfrm>
+          <a:off x="0" y="0"/>
+          <a:ext cx="0" cy="0"/>
+          <a:chOff x="0" y="0"/>
+          <a:chExt cx="0" cy="0"/>
+        </a:xfrm>
+      </p:grpSpPr>
+      <p:sp>
+        <p:nvSpPr>
+          <p:cNvPr id="2" name="Title 1">
+            <a:extLst>
+              <a:ext uri="{FF2B5EF4-FFF2-40B4-BE49-F238E27FC236}">
+                <a16:creationId xmlns:a16="http://schemas.microsoft.com/office/drawing/2014/main" id="{C6EB4EC3-D3D7-476B-B262-88DC251FB502}"/>
+              </a:ext>
+            </a:extLst>
+          </p:cNvPr>
+          <p:cNvSpPr>
+            <a:spLocks noGrp="1"/>
+          </p:cNvSpPr>
+          <p:nvPr>
+            <p:ph type="title"/>
+          </p:nvPr>
+        </p:nvSpPr>
+        <p:spPr/>
+        <p:txBody>
+          <a:bodyPr/>
+          <a:lstStyle/>
+          <a:p>
+            <a:endParaRPr lang="en-US"/>
+          </a:p>
+        </p:txBody>
+      </p:sp>
+      <p:sp>
+        <p:nvSpPr>
+          <p:cNvPr id="3" name="Content Placeholder 2">
+            <a:extLst>
+              <a:ext uri="{FF2B5EF4-FFF2-40B4-BE49-F238E27FC236}">
+                <a16:creationId xmlns:a16="http://schemas.microsoft.com/office/drawing/2014/main" id="{63B539ED-4ECF-422C-A35D-CBD02DF6FC7D}"/>
+              </a:ext>
+            </a:extLst>
+          </p:cNvPr>
+          <p:cNvSpPr>
+            <a:spLocks noGrp="1"/>
+          </p:cNvSpPr>
+          <p:nvPr>
+            <p:ph idx="1"/>
+          </p:nvPr>
+        </p:nvSpPr>
+        <p:spPr>
+          <a:xfrm>
+            <a:off x="635563" y="2565604"/>
+            <a:ext cx="10275691" cy="4351338"/>
+          </a:xfrm>
+        </p:spPr>
+        <p:txBody>
+          <a:bodyPr>
+            <a:normAutofit/>
+          </a:bodyPr>
+          <a:lstStyle/>
+          <a:p>
+            <a:pPr lvl="1"/>
+            <a:r>
+              <a:rPr lang="en-US" dirty="0"/>
+              <a:t>Image Data Set:</a:t>
+            </a:r>
+          </a:p>
+          <a:p>
+            <a:pPr lvl="1"/>
+            <a:r>
+              <a:rPr lang="en-US" dirty="0">
+                <a:hlinkClick r:id="rId2"/>
+              </a:rPr>
+              <a:t>https://www.kaggle.com/thedagger/pokemon-generation-one</a:t>
+            </a:r>
+            <a:endParaRPr lang="en-US" dirty="0"/>
+          </a:p>
+          <a:p>
+            <a:pPr lvl="1"/>
+            <a:endParaRPr lang="en-US" dirty="0"/>
+          </a:p>
+          <a:p>
+            <a:pPr lvl="1"/>
+            <a:r>
+              <a:rPr lang="en-US" dirty="0" err="1"/>
+              <a:t>Pokemon</a:t>
+            </a:r>
+            <a:r>
+              <a:rPr lang="en-US" dirty="0"/>
+              <a:t> Stats:</a:t>
+            </a:r>
+          </a:p>
+          <a:p>
+            <a:pPr lvl="1"/>
+            <a:r>
+              <a:rPr lang="en-US" dirty="0">
+                <a:hlinkClick r:id="rId3"/>
+              </a:rPr>
+              <a:t>https://www.kaggle.com/rounakbanik/pokemon</a:t>
+            </a:r>
+            <a:r>
+              <a:rPr lang="en-US" dirty="0"/>
+              <a:t> </a:t>
+            </a:r>
+          </a:p>
+        </p:txBody>
+      </p:sp>
+      <p:pic>
+        <p:nvPicPr>
+          <p:cNvPr id="5" name="Picture 4">
+            <a:extLst>
+              <a:ext uri="{FF2B5EF4-FFF2-40B4-BE49-F238E27FC236}">
+                <a16:creationId xmlns:a16="http://schemas.microsoft.com/office/drawing/2014/main" id="{BC43DE3B-0FFA-44C5-B49B-3F63C2FDA9D6}"/>
+              </a:ext>
+            </a:extLst>
+          </p:cNvPr>
+          <p:cNvPicPr>
+            <a:picLocks noChangeAspect="1"/>
+          </p:cNvPicPr>
+          <p:nvPr/>
+        </p:nvPicPr>
+        <p:blipFill>
+          <a:blip r:embed="rId4"/>
+          <a:stretch>
+            <a:fillRect/>
+          </a:stretch>
+        </p:blipFill>
+        <p:spPr>
+          <a:xfrm>
+            <a:off x="0" y="-1020416"/>
+            <a:ext cx="12207145" cy="2756452"/>
+          </a:xfrm>
+          <a:prstGeom prst="rect">
+            <a:avLst/>
+          </a:prstGeom>
+        </p:spPr>
+      </p:pic>
+      <p:sp>
+        <p:nvSpPr>
+          <p:cNvPr id="8" name="Subtitle 2">
+            <a:extLst>
+              <a:ext uri="{FF2B5EF4-FFF2-40B4-BE49-F238E27FC236}">
+                <a16:creationId xmlns:a16="http://schemas.microsoft.com/office/drawing/2014/main" id="{2AC41F54-8F88-483F-AE33-9CF8833B762B}"/>
+              </a:ext>
+            </a:extLst>
+          </p:cNvPr>
+          <p:cNvSpPr txBox="1">
+            <a:spLocks/>
+          </p:cNvSpPr>
+          <p:nvPr/>
+        </p:nvSpPr>
+        <p:spPr>
+          <a:xfrm>
+            <a:off x="355881" y="1876216"/>
+            <a:ext cx="10707756" cy="1480921"/>
+          </a:xfrm>
+          <a:prstGeom prst="rect">
+            <a:avLst/>
+          </a:prstGeom>
+        </p:spPr>
+        <p:txBody>
+          <a:bodyPr vert="horz" lIns="91440" tIns="45720" rIns="91440" bIns="45720" rtlCol="0">
+            <a:normAutofit/>
+          </a:bodyPr>
+          <a:lstStyle>
+            <a:lvl1pPr marL="228600" indent="-228600" algn="l" defTabSz="914400" rtl="0" eaLnBrk="1" latinLnBrk="0" hangingPunct="1">
+              <a:lnSpc>
+                <a:spcPct val="90000"/>
+              </a:lnSpc>
+              <a:spcBef>
+                <a:spcPts val="1000"/>
+              </a:spcBef>
+              <a:buFont typeface="Arial" panose="020B0604020202020204" pitchFamily="34" charset="0"/>
+              <a:buChar char="•"/>
+              <a:defRPr sz="2800" kern="1200">
+                <a:solidFill>
+                  <a:schemeClr val="tx1"/>
+                </a:solidFill>
+                <a:latin typeface="+mn-lt"/>
+                <a:ea typeface="+mn-ea"/>
+                <a:cs typeface="+mn-cs"/>
+              </a:defRPr>
+            </a:lvl1pPr>
+            <a:lvl2pPr marL="685800" indent="-228600" algn="l" defTabSz="914400" rtl="0" eaLnBrk="1" latinLnBrk="0" hangingPunct="1">
+              <a:lnSpc>
+                <a:spcPct val="90000"/>
+              </a:lnSpc>
+              <a:spcBef>
+                <a:spcPts val="500"/>
+              </a:spcBef>
+              <a:buFont typeface="Arial" panose="020B0604020202020204" pitchFamily="34" charset="0"/>
+              <a:buChar char="•"/>
+              <a:defRPr sz="2400" kern="1200">
+                <a:solidFill>
+                  <a:schemeClr val="tx1"/>
+                </a:solidFill>
+                <a:latin typeface="+mn-lt"/>
+                <a:ea typeface="+mn-ea"/>
+                <a:cs typeface="+mn-cs"/>
+              </a:defRPr>
+            </a:lvl2pPr>
+            <a:lvl3pPr marL="1143000" indent="-228600" algn="l" defTabSz="914400" rtl="0" eaLnBrk="1" latinLnBrk="0" hangingPunct="1">
+              <a:lnSpc>
+                <a:spcPct val="90000"/>
+              </a:lnSpc>
+              <a:spcBef>
+                <a:spcPts val="500"/>
+              </a:spcBef>
+              <a:buFont typeface="Arial" panose="020B0604020202020204" pitchFamily="34" charset="0"/>
+              <a:buChar char="•"/>
+              <a:defRPr sz="2000" kern="1200">
+                <a:solidFill>
+                  <a:schemeClr val="tx1"/>
+                </a:solidFill>
+                <a:latin typeface="+mn-lt"/>
+                <a:ea typeface="+mn-ea"/>
+                <a:cs typeface="+mn-cs"/>
+              </a:defRPr>
+            </a:lvl3pPr>
+            <a:lvl4pPr marL="1600200" indent="-228600" algn="l" defTabSz="914400" rtl="0" eaLnBrk="1" latinLnBrk="0" hangingPunct="1">
+              <a:lnSpc>
+                <a:spcPct val="90000"/>
+              </a:lnSpc>
+              <a:spcBef>
+                <a:spcPts val="500"/>
+              </a:spcBef>
+              <a:buFont typeface="Arial" panose="020B0604020202020204" pitchFamily="34" charset="0"/>
+              <a:buChar char="•"/>
+              <a:defRPr sz="1800" kern="1200">
+                <a:solidFill>
+                  <a:schemeClr val="tx1"/>
+                </a:solidFill>
+                <a:latin typeface="+mn-lt"/>
+                <a:ea typeface="+mn-ea"/>
+                <a:cs typeface="+mn-cs"/>
+              </a:defRPr>
+            </a:lvl4pPr>
+            <a:lvl5pPr marL="2057400" indent="-228600" algn="l" defTabSz="914400" rtl="0" eaLnBrk="1" latinLnBrk="0" hangingPunct="1">
+              <a:lnSpc>
+                <a:spcPct val="90000"/>
+              </a:lnSpc>
+              <a:spcBef>
+                <a:spcPts val="500"/>
+              </a:spcBef>
+              <a:buFont typeface="Arial" panose="020B0604020202020204" pitchFamily="34" charset="0"/>
+              <a:buChar char="•"/>
+              <a:defRPr sz="1800" kern="1200">
+                <a:solidFill>
+                  <a:schemeClr val="tx1"/>
+                </a:solidFill>
+                <a:latin typeface="+mn-lt"/>
+                <a:ea typeface="+mn-ea"/>
+                <a:cs typeface="+mn-cs"/>
+              </a:defRPr>
+            </a:lvl5pPr>
+            <a:lvl6pPr marL="2514600" indent="-228600" algn="l" defTabSz="914400" rtl="0" eaLnBrk="1" latinLnBrk="0" hangingPunct="1">
+              <a:lnSpc>
+                <a:spcPct val="90000"/>
+              </a:lnSpc>
+              <a:spcBef>
+                <a:spcPts val="500"/>
+              </a:spcBef>
+              <a:buFont typeface="Arial" panose="020B0604020202020204" pitchFamily="34" charset="0"/>
+              <a:buChar char="•"/>
+              <a:defRPr sz="1800" kern="1200">
+                <a:solidFill>
+                  <a:schemeClr val="tx1"/>
+                </a:solidFill>
+                <a:latin typeface="+mn-lt"/>
+                <a:ea typeface="+mn-ea"/>
+                <a:cs typeface="+mn-cs"/>
+              </a:defRPr>
+            </a:lvl6pPr>
+            <a:lvl7pPr marL="2971800" indent="-228600" algn="l" defTabSz="914400" rtl="0" eaLnBrk="1" latinLnBrk="0" hangingPunct="1">
+              <a:lnSpc>
+                <a:spcPct val="90000"/>
+              </a:lnSpc>
+              <a:spcBef>
+                <a:spcPts val="500"/>
+              </a:spcBef>
+              <a:buFont typeface="Arial" panose="020B0604020202020204" pitchFamily="34" charset="0"/>
+              <a:buChar char="•"/>
+              <a:defRPr sz="1800" kern="1200">
+                <a:solidFill>
+                  <a:schemeClr val="tx1"/>
+                </a:solidFill>
+                <a:latin typeface="+mn-lt"/>
+                <a:ea typeface="+mn-ea"/>
+                <a:cs typeface="+mn-cs"/>
+              </a:defRPr>
+            </a:lvl7pPr>
+            <a:lvl8pPr marL="3429000" indent="-228600" algn="l" defTabSz="914400" rtl="0" eaLnBrk="1" latinLnBrk="0" hangingPunct="1">
+              <a:lnSpc>
+                <a:spcPct val="90000"/>
+              </a:lnSpc>
+              <a:spcBef>
+                <a:spcPts val="500"/>
+              </a:spcBef>
+              <a:buFont typeface="Arial" panose="020B0604020202020204" pitchFamily="34" charset="0"/>
+              <a:buChar char="•"/>
+              <a:defRPr sz="1800" kern="1200">
+                <a:solidFill>
+                  <a:schemeClr val="tx1"/>
+                </a:solidFill>
+                <a:latin typeface="+mn-lt"/>
+                <a:ea typeface="+mn-ea"/>
+                <a:cs typeface="+mn-cs"/>
+              </a:defRPr>
+            </a:lvl8pPr>
+            <a:lvl9pPr marL="3886200" indent="-228600" algn="l" defTabSz="914400" rtl="0" eaLnBrk="1" latinLnBrk="0" hangingPunct="1">
+              <a:lnSpc>
+                <a:spcPct val="90000"/>
+              </a:lnSpc>
+              <a:spcBef>
+                <a:spcPts val="500"/>
+              </a:spcBef>
+              <a:buFont typeface="Arial" panose="020B0604020202020204" pitchFamily="34" charset="0"/>
+              <a:buChar char="•"/>
+              <a:defRPr sz="1800" kern="1200">
+                <a:solidFill>
+                  <a:schemeClr val="tx1"/>
+                </a:solidFill>
+                <a:latin typeface="+mn-lt"/>
+                <a:ea typeface="+mn-ea"/>
+                <a:cs typeface="+mn-cs"/>
+              </a:defRPr>
+            </a:lvl9pPr>
+          </a:lstStyle>
+          <a:p>
+            <a:r>
+              <a:rPr lang="en-US" dirty="0"/>
+              <a:t>Data Sources</a:t>
+            </a:r>
+          </a:p>
+        </p:txBody>
+      </p:sp>
+      <p:pic>
+        <p:nvPicPr>
+          <p:cNvPr id="14" name="Picture 13">
+            <a:extLst>
+              <a:ext uri="{FF2B5EF4-FFF2-40B4-BE49-F238E27FC236}">
+                <a16:creationId xmlns:a16="http://schemas.microsoft.com/office/drawing/2014/main" id="{16AFDA9C-65A6-49B3-B4E6-95845A1D13E3}"/>
+              </a:ext>
+            </a:extLst>
+          </p:cNvPr>
+          <p:cNvPicPr>
+            <a:picLocks noChangeAspect="1"/>
+          </p:cNvPicPr>
+          <p:nvPr/>
+        </p:nvPicPr>
+        <p:blipFill>
+          <a:blip r:embed="rId5">
+            <a:extLst>
+              <a:ext uri="{28A0092B-C50C-407E-A947-70E740481C1C}">
+                <a14:useLocalDpi xmlns:a14="http://schemas.microsoft.com/office/drawing/2010/main" val="0"/>
+              </a:ext>
+            </a:extLst>
+          </a:blip>
+          <a:stretch>
+            <a:fillRect/>
+          </a:stretch>
+        </p:blipFill>
+        <p:spPr>
+          <a:xfrm>
+            <a:off x="9881424" y="5327243"/>
+            <a:ext cx="2310576" cy="1530757"/>
+          </a:xfrm>
+          <a:prstGeom prst="rect">
+            <a:avLst/>
+          </a:prstGeom>
+        </p:spPr>
+      </p:pic>
+    </p:spTree>
+    <p:extLst>
+      <p:ext uri="{BB962C8B-B14F-4D97-AF65-F5344CB8AC3E}">
+        <p14:creationId xmlns:p14="http://schemas.microsoft.com/office/powerpoint/2010/main" val="2943904741"/>
+      </p:ext>
+    </p:extLst>
+  </p:cSld>
+  <p:clrMapOvr>
+    <a:masterClrMapping/>
+  </p:clrMapOvr>
+</p:sld>
+</file>
+
+<file path=ppt/slides/slide5.xml><?xml version="1.0" encoding="utf-8"?>
+<p:sld xmlns:a="http://schemas.openxmlformats.org/drawingml/2006/main" xmlns:r="http://schemas.openxmlformats.org/officeDocument/2006/relationships" xmlns:p="http://schemas.openxmlformats.org/presentationml/2006/main">
+  <p:cSld>
+    <p:spTree>
+      <p:nvGrpSpPr>
+        <p:cNvPr id="1" name=""/>
+        <p:cNvGrpSpPr/>
+        <p:nvPr/>
+      </p:nvGrpSpPr>
+      <p:grpSpPr>
+        <a:xfrm>
+          <a:off x="0" y="0"/>
+          <a:ext cx="0" cy="0"/>
+          <a:chOff x="0" y="0"/>
+          <a:chExt cx="0" cy="0"/>
+        </a:xfrm>
+      </p:grpSpPr>
+      <p:pic>
+        <p:nvPicPr>
+          <p:cNvPr id="5" name="Picture 4">
+            <a:extLst>
+              <a:ext uri="{FF2B5EF4-FFF2-40B4-BE49-F238E27FC236}">
+                <a16:creationId xmlns:a16="http://schemas.microsoft.com/office/drawing/2014/main" id="{3F4B0BDF-5D88-4E6B-87EA-87C409320C25}"/>
+              </a:ext>
+            </a:extLst>
+          </p:cNvPr>
+          <p:cNvPicPr>
+            <a:picLocks noChangeAspect="1"/>
+          </p:cNvPicPr>
+          <p:nvPr/>
+        </p:nvPicPr>
+        <p:blipFill>
+          <a:blip r:embed="rId2">
+            <a:extLst>
+              <a:ext uri="{28A0092B-C50C-407E-A947-70E740481C1C}">
+                <a14:useLocalDpi xmlns:a14="http://schemas.microsoft.com/office/drawing/2010/main" val="0"/>
+              </a:ext>
+            </a:extLst>
+          </a:blip>
+          <a:stretch>
+            <a:fillRect/>
+          </a:stretch>
+        </p:blipFill>
+        <p:spPr>
+          <a:xfrm>
+            <a:off x="-723562" y="0"/>
+            <a:ext cx="13480098" cy="6858000"/>
+          </a:xfrm>
+          <a:prstGeom prst="rect">
+            <a:avLst/>
+          </a:prstGeom>
+        </p:spPr>
+      </p:pic>
+      <p:sp>
+        <p:nvSpPr>
+          <p:cNvPr id="2" name="Title 1">
+            <a:extLst>
+              <a:ext uri="{FF2B5EF4-FFF2-40B4-BE49-F238E27FC236}">
+                <a16:creationId xmlns:a16="http://schemas.microsoft.com/office/drawing/2014/main" id="{E5CA4F3B-45E4-49C2-ACFB-9D95CC7E0037}"/>
+              </a:ext>
+            </a:extLst>
+          </p:cNvPr>
+          <p:cNvSpPr>
+            <a:spLocks noGrp="1"/>
+          </p:cNvSpPr>
+          <p:nvPr>
+            <p:ph type="ctrTitle"/>
+          </p:nvPr>
+        </p:nvSpPr>
+        <p:spPr>
+          <a:xfrm>
+            <a:off x="1524000" y="3047994"/>
+            <a:ext cx="9144000" cy="3509963"/>
+          </a:xfrm>
+        </p:spPr>
+        <p:txBody>
+          <a:bodyPr/>
+          <a:lstStyle/>
+          <a:p>
+            <a:r>
+              <a:rPr lang="en-US" b="1" dirty="0"/>
               <a:t>Building The Model</a:t>
             </a:r>
           </a:p>
@@ -4155,7 +5202,7 @@
 </p:sld>
 </file>
 
-<file path=ppt/slides/slide4.xml><?xml version="1.0" encoding="utf-8"?>
+<file path=ppt/slides/slide6.xml><?xml version="1.0" encoding="utf-8"?>
 <p:sld xmlns:a="http://schemas.openxmlformats.org/drawingml/2006/main" xmlns:r="http://schemas.openxmlformats.org/officeDocument/2006/relationships" xmlns:p="http://schemas.openxmlformats.org/presentationml/2006/main">
   <p:cSld>
     <p:spTree>
@@ -4584,7 +5631,7 @@
 </p:sld>
 </file>
 
-<file path=ppt/slides/slide5.xml><?xml version="1.0" encoding="utf-8"?>
+<file path=ppt/slides/slide7.xml><?xml version="1.0" encoding="utf-8"?>
 <p:sld xmlns:a="http://schemas.openxmlformats.org/drawingml/2006/main" xmlns:r="http://schemas.openxmlformats.org/officeDocument/2006/relationships" xmlns:p="http://schemas.openxmlformats.org/presentationml/2006/main">
   <p:cSld>
     <p:spTree>
@@ -4980,7 +6027,7 @@
 </p:sld>
 </file>
 
-<file path=ppt/slides/slide6.xml><?xml version="1.0" encoding="utf-8"?>
+<file path=ppt/slides/slide8.xml><?xml version="1.0" encoding="utf-8"?>
 <p:sld xmlns:a="http://schemas.openxmlformats.org/drawingml/2006/main" xmlns:r="http://schemas.openxmlformats.org/officeDocument/2006/relationships" xmlns:p="http://schemas.openxmlformats.org/presentationml/2006/main">
   <p:cSld>
     <p:spTree>
@@ -5383,7 +6430,7 @@
 </p:sld>
 </file>
 
-<file path=ppt/slides/slide7.xml><?xml version="1.0" encoding="utf-8"?>
+<file path=ppt/slides/slide9.xml><?xml version="1.0" encoding="utf-8"?>
 <p:sld xmlns:a="http://schemas.openxmlformats.org/drawingml/2006/main" xmlns:r="http://schemas.openxmlformats.org/officeDocument/2006/relationships" xmlns:p="http://schemas.openxmlformats.org/presentationml/2006/main">
   <p:cSld>
     <p:spTree>
@@ -5789,558 +6836,6 @@
     <p:extLst>
       <p:ext uri="{BB962C8B-B14F-4D97-AF65-F5344CB8AC3E}">
         <p14:creationId xmlns:p14="http://schemas.microsoft.com/office/powerpoint/2010/main" val="3495692131"/>
-      </p:ext>
-    </p:extLst>
-  </p:cSld>
-  <p:clrMapOvr>
-    <a:masterClrMapping/>
-  </p:clrMapOvr>
-</p:sld>
-</file>
-
-<file path=ppt/slides/slide8.xml><?xml version="1.0" encoding="utf-8"?>
-<p:sld xmlns:a="http://schemas.openxmlformats.org/drawingml/2006/main" xmlns:r="http://schemas.openxmlformats.org/officeDocument/2006/relationships" xmlns:p="http://schemas.openxmlformats.org/presentationml/2006/main">
-  <p:cSld>
-    <p:spTree>
-      <p:nvGrpSpPr>
-        <p:cNvPr id="1" name=""/>
-        <p:cNvGrpSpPr/>
-        <p:nvPr/>
-      </p:nvGrpSpPr>
-      <p:grpSpPr>
-        <a:xfrm>
-          <a:off x="0" y="0"/>
-          <a:ext cx="0" cy="0"/>
-          <a:chOff x="0" y="0"/>
-          <a:chExt cx="0" cy="0"/>
-        </a:xfrm>
-      </p:grpSpPr>
-      <p:pic>
-        <p:nvPicPr>
-          <p:cNvPr id="5" name="Picture 4">
-            <a:extLst>
-              <a:ext uri="{FF2B5EF4-FFF2-40B4-BE49-F238E27FC236}">
-                <a16:creationId xmlns:a16="http://schemas.microsoft.com/office/drawing/2014/main" id="{3F4B0BDF-5D88-4E6B-87EA-87C409320C25}"/>
-              </a:ext>
-            </a:extLst>
-          </p:cNvPr>
-          <p:cNvPicPr>
-            <a:picLocks noChangeAspect="1"/>
-          </p:cNvPicPr>
-          <p:nvPr/>
-        </p:nvPicPr>
-        <p:blipFill>
-          <a:blip r:embed="rId2">
-            <a:extLst>
-              <a:ext uri="{28A0092B-C50C-407E-A947-70E740481C1C}">
-                <a14:useLocalDpi xmlns:a14="http://schemas.microsoft.com/office/drawing/2010/main" val="0"/>
-              </a:ext>
-            </a:extLst>
-          </a:blip>
-          <a:stretch>
-            <a:fillRect/>
-          </a:stretch>
-        </p:blipFill>
-        <p:spPr>
-          <a:xfrm>
-            <a:off x="-723562" y="0"/>
-            <a:ext cx="13480098" cy="6858000"/>
-          </a:xfrm>
-          <a:prstGeom prst="rect">
-            <a:avLst/>
-          </a:prstGeom>
-        </p:spPr>
-      </p:pic>
-      <p:sp>
-        <p:nvSpPr>
-          <p:cNvPr id="2" name="Title 1">
-            <a:extLst>
-              <a:ext uri="{FF2B5EF4-FFF2-40B4-BE49-F238E27FC236}">
-                <a16:creationId xmlns:a16="http://schemas.microsoft.com/office/drawing/2014/main" id="{E5CA4F3B-45E4-49C2-ACFB-9D95CC7E0037}"/>
-              </a:ext>
-            </a:extLst>
-          </p:cNvPr>
-          <p:cNvSpPr>
-            <a:spLocks noGrp="1"/>
-          </p:cNvSpPr>
-          <p:nvPr>
-            <p:ph type="ctrTitle"/>
-          </p:nvPr>
-        </p:nvSpPr>
-        <p:spPr>
-          <a:xfrm>
-            <a:off x="1524000" y="3047994"/>
-            <a:ext cx="9144000" cy="3509963"/>
-          </a:xfrm>
-        </p:spPr>
-        <p:txBody>
-          <a:bodyPr/>
-          <a:lstStyle/>
-          <a:p>
-            <a:r>
-              <a:rPr lang="en-US" b="1" dirty="0"/>
-              <a:t>Let’s Check Out The Website</a:t>
-            </a:r>
-          </a:p>
-        </p:txBody>
-      </p:sp>
-    </p:spTree>
-    <p:extLst>
-      <p:ext uri="{BB962C8B-B14F-4D97-AF65-F5344CB8AC3E}">
-        <p14:creationId xmlns:p14="http://schemas.microsoft.com/office/powerpoint/2010/main" val="1360513113"/>
-      </p:ext>
-    </p:extLst>
-  </p:cSld>
-  <p:clrMapOvr>
-    <a:masterClrMapping/>
-  </p:clrMapOvr>
-</p:sld>
-</file>
-
-<file path=ppt/slides/slide9.xml><?xml version="1.0" encoding="utf-8"?>
-<p:sld xmlns:a="http://schemas.openxmlformats.org/drawingml/2006/main" xmlns:r="http://schemas.openxmlformats.org/officeDocument/2006/relationships" xmlns:p="http://schemas.openxmlformats.org/presentationml/2006/main">
-  <p:cSld>
-    <p:spTree>
-      <p:nvGrpSpPr>
-        <p:cNvPr id="1" name=""/>
-        <p:cNvGrpSpPr/>
-        <p:nvPr/>
-      </p:nvGrpSpPr>
-      <p:grpSpPr>
-        <a:xfrm>
-          <a:off x="0" y="0"/>
-          <a:ext cx="0" cy="0"/>
-          <a:chOff x="0" y="0"/>
-          <a:chExt cx="0" cy="0"/>
-        </a:xfrm>
-      </p:grpSpPr>
-      <p:sp>
-        <p:nvSpPr>
-          <p:cNvPr id="2" name="Title 1">
-            <a:extLst>
-              <a:ext uri="{FF2B5EF4-FFF2-40B4-BE49-F238E27FC236}">
-                <a16:creationId xmlns:a16="http://schemas.microsoft.com/office/drawing/2014/main" id="{C6EB4EC3-D3D7-476B-B262-88DC251FB502}"/>
-              </a:ext>
-            </a:extLst>
-          </p:cNvPr>
-          <p:cNvSpPr>
-            <a:spLocks noGrp="1"/>
-          </p:cNvSpPr>
-          <p:nvPr>
-            <p:ph type="title"/>
-          </p:nvPr>
-        </p:nvSpPr>
-        <p:spPr/>
-        <p:txBody>
-          <a:bodyPr/>
-          <a:lstStyle/>
-          <a:p>
-            <a:r>
-              <a:rPr lang="en-US" dirty="0"/>
-              <a:t>\</a:t>
-            </a:r>
-          </a:p>
-        </p:txBody>
-      </p:sp>
-      <p:sp>
-        <p:nvSpPr>
-          <p:cNvPr id="3" name="Content Placeholder 2">
-            <a:extLst>
-              <a:ext uri="{FF2B5EF4-FFF2-40B4-BE49-F238E27FC236}">
-                <a16:creationId xmlns:a16="http://schemas.microsoft.com/office/drawing/2014/main" id="{63B539ED-4ECF-422C-A35D-CBD02DF6FC7D}"/>
-              </a:ext>
-            </a:extLst>
-          </p:cNvPr>
-          <p:cNvSpPr>
-            <a:spLocks noGrp="1"/>
-          </p:cNvSpPr>
-          <p:nvPr>
-            <p:ph idx="1"/>
-          </p:nvPr>
-        </p:nvSpPr>
-        <p:spPr>
-          <a:xfrm>
-            <a:off x="635563" y="2319130"/>
-            <a:ext cx="5897759" cy="4597812"/>
-          </a:xfrm>
-        </p:spPr>
-        <p:txBody>
-          <a:bodyPr>
-            <a:normAutofit/>
-          </a:bodyPr>
-          <a:lstStyle/>
-          <a:p>
-            <a:pPr lvl="1"/>
-            <a:r>
-              <a:rPr lang="en-US" dirty="0">
-                <a:latin typeface="Slack-Lato"/>
-              </a:rPr>
-              <a:t>Attempted to build a CNN to analyze Where’s Waldo images</a:t>
-            </a:r>
-          </a:p>
-          <a:p>
-            <a:pPr lvl="1"/>
-            <a:r>
-              <a:rPr lang="en-US" dirty="0">
-                <a:latin typeface="Slack-Lato"/>
-              </a:rPr>
-              <a:t>Attempted to build a CNN </a:t>
-            </a:r>
-            <a:r>
-              <a:rPr lang="en-US" b="0" i="0" u="none" strike="noStrike" dirty="0">
-                <a:effectLst/>
-                <a:latin typeface="Slack-Lato"/>
-              </a:rPr>
-              <a:t>to analyze mushrooms</a:t>
-            </a:r>
-          </a:p>
-          <a:p>
-            <a:pPr lvl="1"/>
-            <a:r>
-              <a:rPr lang="en-US" dirty="0"/>
-              <a:t>We were able to use H5 rather than Pickle to load our model because we were using TensorFlow (i.e., images)</a:t>
-            </a:r>
-          </a:p>
-          <a:p>
-            <a:pPr lvl="1"/>
-            <a:r>
-              <a:rPr lang="en-US" dirty="0"/>
-              <a:t>Attempted to deploy to Heroku, but the model alone was too large</a:t>
-            </a:r>
-          </a:p>
-          <a:p>
-            <a:pPr lvl="1"/>
-            <a:r>
-              <a:rPr lang="en-US" b="0" i="0" u="none" strike="noStrike" dirty="0">
-                <a:effectLst/>
-                <a:latin typeface="Slack-Lato"/>
-                <a:hlinkClick r:id="rId2"/>
-              </a:rPr>
-              <a:t>https://pokedeaux2.herokuapp.com/</a:t>
-            </a:r>
-            <a:endParaRPr lang="en-US" b="0" i="0" u="none" strike="noStrike" dirty="0">
-              <a:effectLst/>
-              <a:latin typeface="Slack-Lato"/>
-            </a:endParaRPr>
-          </a:p>
-          <a:p>
-            <a:pPr lvl="1"/>
-            <a:endParaRPr lang="en-US" b="0" i="0" u="none" strike="noStrike" dirty="0">
-              <a:effectLst/>
-              <a:latin typeface="Slack-Lato"/>
-            </a:endParaRPr>
-          </a:p>
-          <a:p>
-            <a:pPr lvl="1"/>
-            <a:endParaRPr lang="en-US" dirty="0"/>
-          </a:p>
-        </p:txBody>
-      </p:sp>
-      <p:pic>
-        <p:nvPicPr>
-          <p:cNvPr id="5" name="Picture 4">
-            <a:extLst>
-              <a:ext uri="{FF2B5EF4-FFF2-40B4-BE49-F238E27FC236}">
-                <a16:creationId xmlns:a16="http://schemas.microsoft.com/office/drawing/2014/main" id="{BC43DE3B-0FFA-44C5-B49B-3F63C2FDA9D6}"/>
-              </a:ext>
-            </a:extLst>
-          </p:cNvPr>
-          <p:cNvPicPr>
-            <a:picLocks noChangeAspect="1"/>
-          </p:cNvPicPr>
-          <p:nvPr/>
-        </p:nvPicPr>
-        <p:blipFill>
-          <a:blip r:embed="rId3"/>
-          <a:stretch>
-            <a:fillRect/>
-          </a:stretch>
-        </p:blipFill>
-        <p:spPr>
-          <a:xfrm>
-            <a:off x="0" y="-1020416"/>
-            <a:ext cx="12207145" cy="2756452"/>
-          </a:xfrm>
-          <a:prstGeom prst="rect">
-            <a:avLst/>
-          </a:prstGeom>
-        </p:spPr>
-      </p:pic>
-      <p:sp>
-        <p:nvSpPr>
-          <p:cNvPr id="8" name="Subtitle 2">
-            <a:extLst>
-              <a:ext uri="{FF2B5EF4-FFF2-40B4-BE49-F238E27FC236}">
-                <a16:creationId xmlns:a16="http://schemas.microsoft.com/office/drawing/2014/main" id="{2AC41F54-8F88-483F-AE33-9CF8833B762B}"/>
-              </a:ext>
-            </a:extLst>
-          </p:cNvPr>
-          <p:cNvSpPr txBox="1">
-            <a:spLocks/>
-          </p:cNvSpPr>
-          <p:nvPr/>
-        </p:nvSpPr>
-        <p:spPr>
-          <a:xfrm>
-            <a:off x="355881" y="1876216"/>
-            <a:ext cx="10707756" cy="1480921"/>
-          </a:xfrm>
-          <a:prstGeom prst="rect">
-            <a:avLst/>
-          </a:prstGeom>
-        </p:spPr>
-        <p:txBody>
-          <a:bodyPr vert="horz" lIns="91440" tIns="45720" rIns="91440" bIns="45720" rtlCol="0">
-            <a:normAutofit/>
-          </a:bodyPr>
-          <a:lstStyle>
-            <a:lvl1pPr marL="228600" indent="-228600" algn="l" defTabSz="914400" rtl="0" eaLnBrk="1" latinLnBrk="0" hangingPunct="1">
-              <a:lnSpc>
-                <a:spcPct val="90000"/>
-              </a:lnSpc>
-              <a:spcBef>
-                <a:spcPts val="1000"/>
-              </a:spcBef>
-              <a:buFont typeface="Arial" panose="020B0604020202020204" pitchFamily="34" charset="0"/>
-              <a:buChar char="•"/>
-              <a:defRPr sz="2800" kern="1200">
-                <a:solidFill>
-                  <a:schemeClr val="tx1"/>
-                </a:solidFill>
-                <a:latin typeface="+mn-lt"/>
-                <a:ea typeface="+mn-ea"/>
-                <a:cs typeface="+mn-cs"/>
-              </a:defRPr>
-            </a:lvl1pPr>
-            <a:lvl2pPr marL="685800" indent="-228600" algn="l" defTabSz="914400" rtl="0" eaLnBrk="1" latinLnBrk="0" hangingPunct="1">
-              <a:lnSpc>
-                <a:spcPct val="90000"/>
-              </a:lnSpc>
-              <a:spcBef>
-                <a:spcPts val="500"/>
-              </a:spcBef>
-              <a:buFont typeface="Arial" panose="020B0604020202020204" pitchFamily="34" charset="0"/>
-              <a:buChar char="•"/>
-              <a:defRPr sz="2400" kern="1200">
-                <a:solidFill>
-                  <a:schemeClr val="tx1"/>
-                </a:solidFill>
-                <a:latin typeface="+mn-lt"/>
-                <a:ea typeface="+mn-ea"/>
-                <a:cs typeface="+mn-cs"/>
-              </a:defRPr>
-            </a:lvl2pPr>
-            <a:lvl3pPr marL="1143000" indent="-228600" algn="l" defTabSz="914400" rtl="0" eaLnBrk="1" latinLnBrk="0" hangingPunct="1">
-              <a:lnSpc>
-                <a:spcPct val="90000"/>
-              </a:lnSpc>
-              <a:spcBef>
-                <a:spcPts val="500"/>
-              </a:spcBef>
-              <a:buFont typeface="Arial" panose="020B0604020202020204" pitchFamily="34" charset="0"/>
-              <a:buChar char="•"/>
-              <a:defRPr sz="2000" kern="1200">
-                <a:solidFill>
-                  <a:schemeClr val="tx1"/>
-                </a:solidFill>
-                <a:latin typeface="+mn-lt"/>
-                <a:ea typeface="+mn-ea"/>
-                <a:cs typeface="+mn-cs"/>
-              </a:defRPr>
-            </a:lvl3pPr>
-            <a:lvl4pPr marL="1600200" indent="-228600" algn="l" defTabSz="914400" rtl="0" eaLnBrk="1" latinLnBrk="0" hangingPunct="1">
-              <a:lnSpc>
-                <a:spcPct val="90000"/>
-              </a:lnSpc>
-              <a:spcBef>
-                <a:spcPts val="500"/>
-              </a:spcBef>
-              <a:buFont typeface="Arial" panose="020B0604020202020204" pitchFamily="34" charset="0"/>
-              <a:buChar char="•"/>
-              <a:defRPr sz="1800" kern="1200">
-                <a:solidFill>
-                  <a:schemeClr val="tx1"/>
-                </a:solidFill>
-                <a:latin typeface="+mn-lt"/>
-                <a:ea typeface="+mn-ea"/>
-                <a:cs typeface="+mn-cs"/>
-              </a:defRPr>
-            </a:lvl4pPr>
-            <a:lvl5pPr marL="2057400" indent="-228600" algn="l" defTabSz="914400" rtl="0" eaLnBrk="1" latinLnBrk="0" hangingPunct="1">
-              <a:lnSpc>
-                <a:spcPct val="90000"/>
-              </a:lnSpc>
-              <a:spcBef>
-                <a:spcPts val="500"/>
-              </a:spcBef>
-              <a:buFont typeface="Arial" panose="020B0604020202020204" pitchFamily="34" charset="0"/>
-              <a:buChar char="•"/>
-              <a:defRPr sz="1800" kern="1200">
-                <a:solidFill>
-                  <a:schemeClr val="tx1"/>
-                </a:solidFill>
-                <a:latin typeface="+mn-lt"/>
-                <a:ea typeface="+mn-ea"/>
-                <a:cs typeface="+mn-cs"/>
-              </a:defRPr>
-            </a:lvl5pPr>
-            <a:lvl6pPr marL="2514600" indent="-228600" algn="l" defTabSz="914400" rtl="0" eaLnBrk="1" latinLnBrk="0" hangingPunct="1">
-              <a:lnSpc>
-                <a:spcPct val="90000"/>
-              </a:lnSpc>
-              <a:spcBef>
-                <a:spcPts val="500"/>
-              </a:spcBef>
-              <a:buFont typeface="Arial" panose="020B0604020202020204" pitchFamily="34" charset="0"/>
-              <a:buChar char="•"/>
-              <a:defRPr sz="1800" kern="1200">
-                <a:solidFill>
-                  <a:schemeClr val="tx1"/>
-                </a:solidFill>
-                <a:latin typeface="+mn-lt"/>
-                <a:ea typeface="+mn-ea"/>
-                <a:cs typeface="+mn-cs"/>
-              </a:defRPr>
-            </a:lvl6pPr>
-            <a:lvl7pPr marL="2971800" indent="-228600" algn="l" defTabSz="914400" rtl="0" eaLnBrk="1" latinLnBrk="0" hangingPunct="1">
-              <a:lnSpc>
-                <a:spcPct val="90000"/>
-              </a:lnSpc>
-              <a:spcBef>
-                <a:spcPts val="500"/>
-              </a:spcBef>
-              <a:buFont typeface="Arial" panose="020B0604020202020204" pitchFamily="34" charset="0"/>
-              <a:buChar char="•"/>
-              <a:defRPr sz="1800" kern="1200">
-                <a:solidFill>
-                  <a:schemeClr val="tx1"/>
-                </a:solidFill>
-                <a:latin typeface="+mn-lt"/>
-                <a:ea typeface="+mn-ea"/>
-                <a:cs typeface="+mn-cs"/>
-              </a:defRPr>
-            </a:lvl7pPr>
-            <a:lvl8pPr marL="3429000" indent="-228600" algn="l" defTabSz="914400" rtl="0" eaLnBrk="1" latinLnBrk="0" hangingPunct="1">
-              <a:lnSpc>
-                <a:spcPct val="90000"/>
-              </a:lnSpc>
-              <a:spcBef>
-                <a:spcPts val="500"/>
-              </a:spcBef>
-              <a:buFont typeface="Arial" panose="020B0604020202020204" pitchFamily="34" charset="0"/>
-              <a:buChar char="•"/>
-              <a:defRPr sz="1800" kern="1200">
-                <a:solidFill>
-                  <a:schemeClr val="tx1"/>
-                </a:solidFill>
-                <a:latin typeface="+mn-lt"/>
-                <a:ea typeface="+mn-ea"/>
-                <a:cs typeface="+mn-cs"/>
-              </a:defRPr>
-            </a:lvl8pPr>
-            <a:lvl9pPr marL="3886200" indent="-228600" algn="l" defTabSz="914400" rtl="0" eaLnBrk="1" latinLnBrk="0" hangingPunct="1">
-              <a:lnSpc>
-                <a:spcPct val="90000"/>
-              </a:lnSpc>
-              <a:spcBef>
-                <a:spcPts val="500"/>
-              </a:spcBef>
-              <a:buFont typeface="Arial" panose="020B0604020202020204" pitchFamily="34" charset="0"/>
-              <a:buChar char="•"/>
-              <a:defRPr sz="1800" kern="1200">
-                <a:solidFill>
-                  <a:schemeClr val="tx1"/>
-                </a:solidFill>
-                <a:latin typeface="+mn-lt"/>
-                <a:ea typeface="+mn-ea"/>
-                <a:cs typeface="+mn-cs"/>
-              </a:defRPr>
-            </a:lvl9pPr>
-          </a:lstStyle>
-          <a:p>
-            <a:r>
-              <a:rPr lang="en-US" dirty="0"/>
-              <a:t>Lessons Learned</a:t>
-            </a:r>
-          </a:p>
-        </p:txBody>
-      </p:sp>
-      <p:pic>
-        <p:nvPicPr>
-          <p:cNvPr id="6" name="Picture 5">
-            <a:extLst>
-              <a:ext uri="{FF2B5EF4-FFF2-40B4-BE49-F238E27FC236}">
-                <a16:creationId xmlns:a16="http://schemas.microsoft.com/office/drawing/2014/main" id="{74EE797B-4928-4228-B2BF-427FF9BA7654}"/>
-              </a:ext>
-            </a:extLst>
-          </p:cNvPr>
-          <p:cNvPicPr>
-            <a:picLocks noChangeAspect="1"/>
-          </p:cNvPicPr>
-          <p:nvPr/>
-        </p:nvPicPr>
-        <p:blipFill>
-          <a:blip r:embed="rId4">
-            <a:extLst>
-              <a:ext uri="{28A0092B-C50C-407E-A947-70E740481C1C}">
-                <a14:useLocalDpi xmlns:a14="http://schemas.microsoft.com/office/drawing/2010/main" val="0"/>
-              </a:ext>
-            </a:extLst>
-          </a:blip>
-          <a:stretch>
-            <a:fillRect/>
-          </a:stretch>
-        </p:blipFill>
-        <p:spPr>
-          <a:xfrm>
-            <a:off x="8070574" y="5093296"/>
-            <a:ext cx="3867564" cy="1748139"/>
-          </a:xfrm>
-          <a:prstGeom prst="rect">
-            <a:avLst/>
-          </a:prstGeom>
-        </p:spPr>
-      </p:pic>
-      <p:pic>
-        <p:nvPicPr>
-          <p:cNvPr id="12" name="Picture 11">
-            <a:extLst>
-              <a:ext uri="{FF2B5EF4-FFF2-40B4-BE49-F238E27FC236}">
-                <a16:creationId xmlns:a16="http://schemas.microsoft.com/office/drawing/2014/main" id="{FFCA131D-8D56-4213-B325-CC1ECA586110}"/>
-              </a:ext>
-            </a:extLst>
-          </p:cNvPr>
-          <p:cNvPicPr>
-            <a:picLocks noChangeAspect="1"/>
-          </p:cNvPicPr>
-          <p:nvPr/>
-        </p:nvPicPr>
-        <p:blipFill>
-          <a:blip r:embed="rId5">
-            <a:extLst>
-              <a:ext uri="{28A0092B-C50C-407E-A947-70E740481C1C}">
-                <a14:useLocalDpi xmlns:a14="http://schemas.microsoft.com/office/drawing/2010/main" val="0"/>
-              </a:ext>
-            </a:extLst>
-          </a:blip>
-          <a:stretch>
-            <a:fillRect/>
-          </a:stretch>
-        </p:blipFill>
-        <p:spPr>
-          <a:xfrm flipV="1">
-            <a:off x="6967917" y="2342671"/>
-            <a:ext cx="4588520" cy="1173267"/>
-          </a:xfrm>
-          <a:prstGeom prst="rect">
-            <a:avLst/>
-          </a:prstGeom>
-        </p:spPr>
-      </p:pic>
-    </p:spTree>
-    <p:extLst>
-      <p:ext uri="{BB962C8B-B14F-4D97-AF65-F5344CB8AC3E}">
-        <p14:creationId xmlns:p14="http://schemas.microsoft.com/office/powerpoint/2010/main" val="2832296458"/>
       </p:ext>
     </p:extLst>
   </p:cSld>

--- a/Project#3_Presentation.pptx
+++ b/Project#3_Presentation.pptx
@@ -270,7 +270,7 @@
           <a:p>
             <a:fld id="{ED58CE4C-FFBC-4711-9784-6C0D3DCA98D9}" type="datetimeFigureOut">
               <a:rPr lang="en-US" smtClean="0"/>
-              <a:t>1/25/21</a:t>
+              <a:t>1/25/2021</a:t>
             </a:fld>
             <a:endParaRPr lang="en-US"/>
           </a:p>
@@ -468,7 +468,7 @@
           <a:p>
             <a:fld id="{ED58CE4C-FFBC-4711-9784-6C0D3DCA98D9}" type="datetimeFigureOut">
               <a:rPr lang="en-US" smtClean="0"/>
-              <a:t>1/25/21</a:t>
+              <a:t>1/25/2021</a:t>
             </a:fld>
             <a:endParaRPr lang="en-US"/>
           </a:p>
@@ -676,7 +676,7 @@
           <a:p>
             <a:fld id="{ED58CE4C-FFBC-4711-9784-6C0D3DCA98D9}" type="datetimeFigureOut">
               <a:rPr lang="en-US" smtClean="0"/>
-              <a:t>1/25/21</a:t>
+              <a:t>1/25/2021</a:t>
             </a:fld>
             <a:endParaRPr lang="en-US"/>
           </a:p>
@@ -874,7 +874,7 @@
           <a:p>
             <a:fld id="{ED58CE4C-FFBC-4711-9784-6C0D3DCA98D9}" type="datetimeFigureOut">
               <a:rPr lang="en-US" smtClean="0"/>
-              <a:t>1/25/21</a:t>
+              <a:t>1/25/2021</a:t>
             </a:fld>
             <a:endParaRPr lang="en-US"/>
           </a:p>
@@ -1149,7 +1149,7 @@
           <a:p>
             <a:fld id="{ED58CE4C-FFBC-4711-9784-6C0D3DCA98D9}" type="datetimeFigureOut">
               <a:rPr lang="en-US" smtClean="0"/>
-              <a:t>1/25/21</a:t>
+              <a:t>1/25/2021</a:t>
             </a:fld>
             <a:endParaRPr lang="en-US"/>
           </a:p>
@@ -1414,7 +1414,7 @@
           <a:p>
             <a:fld id="{ED58CE4C-FFBC-4711-9784-6C0D3DCA98D9}" type="datetimeFigureOut">
               <a:rPr lang="en-US" smtClean="0"/>
-              <a:t>1/25/21</a:t>
+              <a:t>1/25/2021</a:t>
             </a:fld>
             <a:endParaRPr lang="en-US"/>
           </a:p>
@@ -1826,7 +1826,7 @@
           <a:p>
             <a:fld id="{ED58CE4C-FFBC-4711-9784-6C0D3DCA98D9}" type="datetimeFigureOut">
               <a:rPr lang="en-US" smtClean="0"/>
-              <a:t>1/25/21</a:t>
+              <a:t>1/25/2021</a:t>
             </a:fld>
             <a:endParaRPr lang="en-US"/>
           </a:p>
@@ -1967,7 +1967,7 @@
           <a:p>
             <a:fld id="{ED58CE4C-FFBC-4711-9784-6C0D3DCA98D9}" type="datetimeFigureOut">
               <a:rPr lang="en-US" smtClean="0"/>
-              <a:t>1/25/21</a:t>
+              <a:t>1/25/2021</a:t>
             </a:fld>
             <a:endParaRPr lang="en-US"/>
           </a:p>
@@ -2080,7 +2080,7 @@
           <a:p>
             <a:fld id="{ED58CE4C-FFBC-4711-9784-6C0D3DCA98D9}" type="datetimeFigureOut">
               <a:rPr lang="en-US" smtClean="0"/>
-              <a:t>1/25/21</a:t>
+              <a:t>1/25/2021</a:t>
             </a:fld>
             <a:endParaRPr lang="en-US"/>
           </a:p>
@@ -2391,7 +2391,7 @@
           <a:p>
             <a:fld id="{ED58CE4C-FFBC-4711-9784-6C0D3DCA98D9}" type="datetimeFigureOut">
               <a:rPr lang="en-US" smtClean="0"/>
-              <a:t>1/25/21</a:t>
+              <a:t>1/25/2021</a:t>
             </a:fld>
             <a:endParaRPr lang="en-US"/>
           </a:p>
@@ -2679,7 +2679,7 @@
           <a:p>
             <a:fld id="{ED58CE4C-FFBC-4711-9784-6C0D3DCA98D9}" type="datetimeFigureOut">
               <a:rPr lang="en-US" smtClean="0"/>
-              <a:t>1/25/21</a:t>
+              <a:t>1/25/2021</a:t>
             </a:fld>
             <a:endParaRPr lang="en-US"/>
           </a:p>
@@ -2920,7 +2920,7 @@
           <a:p>
             <a:fld id="{ED58CE4C-FFBC-4711-9784-6C0D3DCA98D9}" type="datetimeFigureOut">
               <a:rPr lang="en-US" smtClean="0"/>
-              <a:t>1/25/21</a:t>
+              <a:t>1/25/2021</a:t>
             </a:fld>
             <a:endParaRPr lang="en-US"/>
           </a:p>
@@ -4802,12 +4802,8 @@
           <a:p>
             <a:pPr lvl="1"/>
             <a:r>
-              <a:rPr lang="en-US" dirty="0" err="1"/>
-              <a:t>Pokemon</a:t>
-            </a:r>
-            <a:r>
               <a:rPr lang="en-US" dirty="0"/>
-              <a:t> Stats:</a:t>
+              <a:t>Pokémon Stats:</a:t>
             </a:r>
           </a:p>
           <a:p>
@@ -5056,10 +5052,10 @@
       </p:sp>
       <p:pic>
         <p:nvPicPr>
-          <p:cNvPr id="14" name="Picture 13">
-            <a:extLst>
-              <a:ext uri="{FF2B5EF4-FFF2-40B4-BE49-F238E27FC236}">
-                <a16:creationId xmlns:a16="http://schemas.microsoft.com/office/drawing/2014/main" id="{16AFDA9C-65A6-49B3-B4E6-95845A1D13E3}"/>
+          <p:cNvPr id="6" name="Picture 5">
+            <a:extLst>
+              <a:ext uri="{FF2B5EF4-FFF2-40B4-BE49-F238E27FC236}">
+                <a16:creationId xmlns:a16="http://schemas.microsoft.com/office/drawing/2014/main" id="{772F2E0D-13DB-4E58-B798-C70F76BB424B}"/>
               </a:ext>
             </a:extLst>
           </p:cNvPr>
@@ -5082,8 +5078,8 @@
         </p:blipFill>
         <p:spPr>
           <a:xfrm>
-            <a:off x="9881424" y="5327243"/>
-            <a:ext cx="2310576" cy="1530757"/>
+            <a:off x="10157931" y="5222359"/>
+            <a:ext cx="1811411" cy="1811411"/>
           </a:xfrm>
           <a:prstGeom prst="rect">
             <a:avLst/>
